--- a/网络安全课程设计/网络安全答辩.pptx
+++ b/网络安全课程设计/网络安全答辩.pptx
@@ -296,7 +296,7 @@
           <a:p>
             <a:fld id="{326EAA7B-4F1A-4388-9A67-1DB9CA3E6EB1}" type="datetimeFigureOut">
               <a:rPr lang="zh-CN" altLang="en-US" smtClean="0"/>
-              <a:t>2023/5/11</a:t>
+              <a:t>2023/5/29</a:t>
             </a:fld>
             <a:endParaRPr lang="zh-CN" altLang="en-US"/>
           </a:p>
@@ -494,7 +494,7 @@
           <a:p>
             <a:fld id="{326EAA7B-4F1A-4388-9A67-1DB9CA3E6EB1}" type="datetimeFigureOut">
               <a:rPr lang="zh-CN" altLang="en-US" smtClean="0"/>
-              <a:t>2023/5/11</a:t>
+              <a:t>2023/5/29</a:t>
             </a:fld>
             <a:endParaRPr lang="zh-CN" altLang="en-US"/>
           </a:p>
@@ -702,7 +702,7 @@
           <a:p>
             <a:fld id="{326EAA7B-4F1A-4388-9A67-1DB9CA3E6EB1}" type="datetimeFigureOut">
               <a:rPr lang="zh-CN" altLang="en-US" smtClean="0"/>
-              <a:t>2023/5/11</a:t>
+              <a:t>2023/5/29</a:t>
             </a:fld>
             <a:endParaRPr lang="zh-CN" altLang="en-US"/>
           </a:p>
@@ -900,7 +900,7 @@
           <a:p>
             <a:fld id="{326EAA7B-4F1A-4388-9A67-1DB9CA3E6EB1}" type="datetimeFigureOut">
               <a:rPr lang="zh-CN" altLang="en-US" smtClean="0"/>
-              <a:t>2023/5/11</a:t>
+              <a:t>2023/5/29</a:t>
             </a:fld>
             <a:endParaRPr lang="zh-CN" altLang="en-US"/>
           </a:p>
@@ -1175,7 +1175,7 @@
           <a:p>
             <a:fld id="{326EAA7B-4F1A-4388-9A67-1DB9CA3E6EB1}" type="datetimeFigureOut">
               <a:rPr lang="zh-CN" altLang="en-US" smtClean="0"/>
-              <a:t>2023/5/11</a:t>
+              <a:t>2023/5/29</a:t>
             </a:fld>
             <a:endParaRPr lang="zh-CN" altLang="en-US"/>
           </a:p>
@@ -1440,7 +1440,7 @@
           <a:p>
             <a:fld id="{326EAA7B-4F1A-4388-9A67-1DB9CA3E6EB1}" type="datetimeFigureOut">
               <a:rPr lang="zh-CN" altLang="en-US" smtClean="0"/>
-              <a:t>2023/5/11</a:t>
+              <a:t>2023/5/29</a:t>
             </a:fld>
             <a:endParaRPr lang="zh-CN" altLang="en-US"/>
           </a:p>
@@ -1852,7 +1852,7 @@
           <a:p>
             <a:fld id="{326EAA7B-4F1A-4388-9A67-1DB9CA3E6EB1}" type="datetimeFigureOut">
               <a:rPr lang="zh-CN" altLang="en-US" smtClean="0"/>
-              <a:t>2023/5/11</a:t>
+              <a:t>2023/5/29</a:t>
             </a:fld>
             <a:endParaRPr lang="zh-CN" altLang="en-US"/>
           </a:p>
@@ -1993,7 +1993,7 @@
           <a:p>
             <a:fld id="{326EAA7B-4F1A-4388-9A67-1DB9CA3E6EB1}" type="datetimeFigureOut">
               <a:rPr lang="zh-CN" altLang="en-US" smtClean="0"/>
-              <a:t>2023/5/11</a:t>
+              <a:t>2023/5/29</a:t>
             </a:fld>
             <a:endParaRPr lang="zh-CN" altLang="en-US"/>
           </a:p>
@@ -2106,7 +2106,7 @@
           <a:p>
             <a:fld id="{326EAA7B-4F1A-4388-9A67-1DB9CA3E6EB1}" type="datetimeFigureOut">
               <a:rPr lang="zh-CN" altLang="en-US" smtClean="0"/>
-              <a:t>2023/5/11</a:t>
+              <a:t>2023/5/29</a:t>
             </a:fld>
             <a:endParaRPr lang="zh-CN" altLang="en-US"/>
           </a:p>
@@ -2417,7 +2417,7 @@
           <a:p>
             <a:fld id="{326EAA7B-4F1A-4388-9A67-1DB9CA3E6EB1}" type="datetimeFigureOut">
               <a:rPr lang="zh-CN" altLang="en-US" smtClean="0"/>
-              <a:t>2023/5/11</a:t>
+              <a:t>2023/5/29</a:t>
             </a:fld>
             <a:endParaRPr lang="zh-CN" altLang="en-US"/>
           </a:p>
@@ -2705,7 +2705,7 @@
           <a:p>
             <a:fld id="{326EAA7B-4F1A-4388-9A67-1DB9CA3E6EB1}" type="datetimeFigureOut">
               <a:rPr lang="zh-CN" altLang="en-US" smtClean="0"/>
-              <a:t>2023/5/11</a:t>
+              <a:t>2023/5/29</a:t>
             </a:fld>
             <a:endParaRPr lang="zh-CN" altLang="en-US"/>
           </a:p>
@@ -2946,7 +2946,7 @@
           <a:p>
             <a:fld id="{326EAA7B-4F1A-4388-9A67-1DB9CA3E6EB1}" type="datetimeFigureOut">
               <a:rPr lang="zh-CN" altLang="en-US" smtClean="0"/>
-              <a:t>2023/5/11</a:t>
+              <a:t>2023/5/29</a:t>
             </a:fld>
             <a:endParaRPr lang="zh-CN" altLang="en-US"/>
           </a:p>
@@ -3446,139 +3446,21 @@
           <a:chExt cx="0" cy="0"/>
         </a:xfrm>
       </p:grpSpPr>
-      <p:sp>
-        <p:nvSpPr>
-          <p:cNvPr id="3" name="内容占位符 2">
-            <a:extLst>
-              <a:ext uri="{FF2B5EF4-FFF2-40B4-BE49-F238E27FC236}">
-                <a16:creationId xmlns:a16="http://schemas.microsoft.com/office/drawing/2014/main" id="{2C9FD82B-E61B-D176-DCA6-6D7DBC4A39E6}"/>
-              </a:ext>
-            </a:extLst>
-          </p:cNvPr>
-          <p:cNvSpPr>
-            <a:spLocks noGrp="1"/>
-          </p:cNvSpPr>
-          <p:nvPr>
-            <p:ph idx="1"/>
-          </p:nvPr>
-        </p:nvSpPr>
-        <p:spPr>
-          <a:xfrm>
-            <a:off x="0" y="0"/>
-            <a:ext cx="12192000" cy="6858000"/>
-          </a:xfrm>
-        </p:spPr>
-        <p:txBody>
-          <a:bodyPr/>
-          <a:lstStyle/>
-          <a:p>
-            <a:pPr marL="0" indent="0">
-              <a:buNone/>
-            </a:pPr>
-            <a:r>
-              <a:rPr lang="zh-CN" altLang="en-US" dirty="0"/>
-              <a:t>后端解密：依赖库</a:t>
-            </a:r>
-            <a:endParaRPr lang="en-US" altLang="zh-CN" dirty="0"/>
-          </a:p>
-          <a:p>
-            <a:pPr marL="0" indent="0">
-              <a:buNone/>
-            </a:pPr>
-            <a:r>
-              <a:rPr lang="en-US" altLang="zh-CN" dirty="0"/>
-              <a:t> &lt;dependency&gt;</a:t>
-            </a:r>
-          </a:p>
-          <a:p>
-            <a:pPr marL="0" indent="0">
-              <a:buNone/>
-            </a:pPr>
-            <a:r>
-              <a:rPr lang="en-US" altLang="zh-CN" dirty="0"/>
-              <a:t>            &lt;</a:t>
-            </a:r>
-            <a:r>
-              <a:rPr lang="en-US" altLang="zh-CN" dirty="0" err="1"/>
-              <a:t>groupId</a:t>
-            </a:r>
-            <a:r>
-              <a:rPr lang="en-US" altLang="zh-CN" dirty="0"/>
-              <a:t>&gt;commons-codec&lt;/</a:t>
-            </a:r>
-            <a:r>
-              <a:rPr lang="en-US" altLang="zh-CN" dirty="0" err="1"/>
-              <a:t>groupId</a:t>
-            </a:r>
-            <a:r>
-              <a:rPr lang="en-US" altLang="zh-CN" dirty="0"/>
-              <a:t>&gt;</a:t>
-            </a:r>
-          </a:p>
-          <a:p>
-            <a:pPr marL="0" indent="0">
-              <a:buNone/>
-            </a:pPr>
-            <a:r>
-              <a:rPr lang="en-US" altLang="zh-CN" dirty="0"/>
-              <a:t>            &lt;</a:t>
-            </a:r>
-            <a:r>
-              <a:rPr lang="en-US" altLang="zh-CN" dirty="0" err="1"/>
-              <a:t>artifactId</a:t>
-            </a:r>
-            <a:r>
-              <a:rPr lang="en-US" altLang="zh-CN" dirty="0"/>
-              <a:t>&gt;commons-codec&lt;/</a:t>
-            </a:r>
-            <a:r>
-              <a:rPr lang="en-US" altLang="zh-CN" dirty="0" err="1"/>
-              <a:t>artifactId</a:t>
-            </a:r>
-            <a:r>
-              <a:rPr lang="en-US" altLang="zh-CN" dirty="0"/>
-              <a:t>&gt;</a:t>
-            </a:r>
-          </a:p>
-          <a:p>
-            <a:pPr marL="0" indent="0">
-              <a:buNone/>
-            </a:pPr>
-            <a:r>
-              <a:rPr lang="en-US" altLang="zh-CN" dirty="0"/>
-              <a:t>            &lt;version&gt;1.15&lt;/version&gt;</a:t>
-            </a:r>
-          </a:p>
-          <a:p>
-            <a:pPr marL="0" indent="0">
-              <a:buNone/>
-            </a:pPr>
-            <a:r>
-              <a:rPr lang="en-US" altLang="zh-CN" dirty="0"/>
-              <a:t>&lt;/dependency&gt;</a:t>
-            </a:r>
-          </a:p>
-          <a:p>
-            <a:pPr marL="0" indent="0">
-              <a:buNone/>
-            </a:pPr>
-            <a:endParaRPr lang="zh-CN" altLang="en-US" dirty="0"/>
-          </a:p>
-        </p:txBody>
-      </p:sp>
       <p:pic>
         <p:nvPicPr>
-          <p:cNvPr id="6" name="图片 5">
-            <a:extLst>
-              <a:ext uri="{FF2B5EF4-FFF2-40B4-BE49-F238E27FC236}">
-                <a16:creationId xmlns:a16="http://schemas.microsoft.com/office/drawing/2014/main" id="{1AA97DCD-2D8F-5503-1FF1-97DEE042F16D}"/>
+          <p:cNvPr id="7" name="内容占位符 6">
+            <a:extLst>
+              <a:ext uri="{FF2B5EF4-FFF2-40B4-BE49-F238E27FC236}">
+                <a16:creationId xmlns:a16="http://schemas.microsoft.com/office/drawing/2014/main" id="{ECA8F010-3A5E-CA34-608A-6EF24D9A5D70}"/>
               </a:ext>
             </a:extLst>
           </p:cNvPr>
           <p:cNvPicPr>
-            <a:picLocks noChangeAspect="1"/>
+            <a:picLocks noGrp="1" noChangeAspect="1"/>
           </p:cNvPicPr>
-          <p:nvPr/>
+          <p:nvPr>
+            <p:ph idx="1"/>
+          </p:nvPr>
         </p:nvPicPr>
         <p:blipFill>
           <a:blip r:embed="rId2"/>
@@ -3588,12 +3470,9 @@
         </p:blipFill>
         <p:spPr>
           <a:xfrm>
-            <a:off x="3456272" y="2425150"/>
-            <a:ext cx="8735728" cy="4432850"/>
+            <a:off x="0" y="0"/>
+            <a:ext cx="11362250" cy="6117548"/>
           </a:xfrm>
-          <a:prstGeom prst="rect">
-            <a:avLst/>
-          </a:prstGeom>
         </p:spPr>
       </p:pic>
     </p:spTree>
@@ -9500,7 +9379,7 @@
             </a:r>
             <a:r>
               <a:rPr lang="zh-CN" altLang="en-US" dirty="0"/>
-              <a:t>前端生成</a:t>
+              <a:t>后端生成</a:t>
             </a:r>
             <a:r>
               <a:rPr lang="en-US" altLang="zh-CN" dirty="0"/>
@@ -9508,7 +9387,7 @@
             </a:r>
             <a:r>
               <a:rPr lang="zh-CN" altLang="en-US" dirty="0"/>
-              <a:t>公钥和私钥，将公钥发送给后端。</a:t>
+              <a:t>公钥和私钥，前端向后端请求获取公钥。</a:t>
             </a:r>
             <a:endParaRPr lang="en-US" altLang="zh-CN" dirty="0"/>
           </a:p>
@@ -9530,7 +9409,7 @@
             </a:r>
             <a:r>
               <a:rPr lang="zh-CN" altLang="en-US" dirty="0"/>
-              <a:t>公钥对密码进行加密，然后将加密后的密码发送给后端。</a:t>
+              <a:t>公钥对密码进行加密，然后将加密后的密码发送放到隐藏的表单项中，通过表单传给后端。</a:t>
             </a:r>
             <a:endParaRPr lang="en-US" altLang="zh-CN" dirty="0"/>
           </a:p>
@@ -9582,7 +9461,7 @@
             </a:r>
             <a:r>
               <a:rPr lang="zh-CN" altLang="en-US" dirty="0"/>
-              <a:t>公钥加密</a:t>
+              <a:t>私钥加密</a:t>
             </a:r>
             <a:r>
               <a:rPr lang="en-US" altLang="zh-CN" dirty="0"/>
@@ -9620,7 +9499,7 @@
             </a:r>
             <a:r>
               <a:rPr lang="zh-CN" altLang="en-US" dirty="0"/>
-              <a:t>私钥对</a:t>
+              <a:t>公钥对</a:t>
             </a:r>
             <a:r>
               <a:rPr lang="en-US" altLang="zh-CN" dirty="0"/>
@@ -9719,10 +9598,10 @@
       </p:grpSpPr>
       <p:sp>
         <p:nvSpPr>
-          <p:cNvPr id="3" name="内容占位符 2">
-            <a:extLst>
-              <a:ext uri="{FF2B5EF4-FFF2-40B4-BE49-F238E27FC236}">
-                <a16:creationId xmlns:a16="http://schemas.microsoft.com/office/drawing/2014/main" id="{BE4394D2-2420-3E04-5D32-F4CA08175796}"/>
+          <p:cNvPr id="11" name="内容占位符 10">
+            <a:extLst>
+              <a:ext uri="{FF2B5EF4-FFF2-40B4-BE49-F238E27FC236}">
+                <a16:creationId xmlns:a16="http://schemas.microsoft.com/office/drawing/2014/main" id="{453A8145-3A80-2639-D988-3AD44A4E31C0}"/>
               </a:ext>
             </a:extLst>
           </p:cNvPr>
@@ -9733,47 +9612,21 @@
             <p:ph idx="1"/>
           </p:nvPr>
         </p:nvSpPr>
-        <p:spPr>
-          <a:xfrm>
-            <a:off x="0" y="0"/>
-            <a:ext cx="12192000" cy="6858000"/>
-          </a:xfrm>
-        </p:spPr>
+        <p:spPr/>
         <p:txBody>
           <a:bodyPr/>
           <a:lstStyle/>
           <a:p>
-            <a:pPr marL="0" indent="0">
-              <a:buNone/>
-            </a:pPr>
-            <a:r>
-              <a:rPr lang="zh-CN" altLang="en-US" dirty="0"/>
-              <a:t>前端使用</a:t>
-            </a:r>
-            <a:r>
-              <a:rPr lang="en-US" altLang="zh-CN" dirty="0" err="1"/>
-              <a:t>CryptoJS</a:t>
-            </a:r>
-            <a:r>
-              <a:rPr lang="zh-CN" altLang="en-US" dirty="0"/>
-              <a:t>库进行加密</a:t>
-            </a:r>
-            <a:endParaRPr lang="en-US" altLang="zh-CN" dirty="0"/>
-          </a:p>
-          <a:p>
-            <a:pPr marL="0" indent="0">
-              <a:buNone/>
-            </a:pPr>
-            <a:endParaRPr lang="zh-CN" altLang="en-US" dirty="0"/>
+            <a:endParaRPr lang="zh-CN" altLang="en-US"/>
           </a:p>
         </p:txBody>
       </p:sp>
       <p:pic>
         <p:nvPicPr>
-          <p:cNvPr id="5" name="图片 4">
-            <a:extLst>
-              <a:ext uri="{FF2B5EF4-FFF2-40B4-BE49-F238E27FC236}">
-                <a16:creationId xmlns:a16="http://schemas.microsoft.com/office/drawing/2014/main" id="{98ACC275-A145-0A47-4649-1C5DB88599D9}"/>
+          <p:cNvPr id="13" name="图片 12">
+            <a:extLst>
+              <a:ext uri="{FF2B5EF4-FFF2-40B4-BE49-F238E27FC236}">
+                <a16:creationId xmlns:a16="http://schemas.microsoft.com/office/drawing/2014/main" id="{C4441FB9-6C92-6C17-2C06-3D27EC2C5CDB}"/>
               </a:ext>
             </a:extLst>
           </p:cNvPr>
@@ -9790,8 +9643,8 @@
         </p:blipFill>
         <p:spPr>
           <a:xfrm>
-            <a:off x="0" y="494786"/>
-            <a:ext cx="11622156" cy="4099262"/>
+            <a:off x="0" y="0"/>
+            <a:ext cx="12382686" cy="6698106"/>
           </a:xfrm>
           <a:prstGeom prst="rect">
             <a:avLst/>
@@ -9830,10 +9683,10 @@
       </p:grpSpPr>
       <p:pic>
         <p:nvPicPr>
-          <p:cNvPr id="5" name="内容占位符 4">
-            <a:extLst>
-              <a:ext uri="{FF2B5EF4-FFF2-40B4-BE49-F238E27FC236}">
-                <a16:creationId xmlns:a16="http://schemas.microsoft.com/office/drawing/2014/main" id="{95D38EDE-6917-9A28-C85E-44448986C84D}"/>
+          <p:cNvPr id="6" name="内容占位符 5">
+            <a:extLst>
+              <a:ext uri="{FF2B5EF4-FFF2-40B4-BE49-F238E27FC236}">
+                <a16:creationId xmlns:a16="http://schemas.microsoft.com/office/drawing/2014/main" id="{4995229A-66C7-58C7-2726-A09C0F8811F7}"/>
               </a:ext>
             </a:extLst>
           </p:cNvPr>
@@ -9853,10 +9706,80 @@
         <p:spPr>
           <a:xfrm>
             <a:off x="0" y="0"/>
-            <a:ext cx="12232362" cy="3995530"/>
+            <a:ext cx="8572098" cy="6520062"/>
           </a:xfrm>
         </p:spPr>
       </p:pic>
+      <p:sp>
+        <p:nvSpPr>
+          <p:cNvPr id="7" name="文本框 6">
+            <a:extLst>
+              <a:ext uri="{FF2B5EF4-FFF2-40B4-BE49-F238E27FC236}">
+                <a16:creationId xmlns:a16="http://schemas.microsoft.com/office/drawing/2014/main" id="{8AF390DE-3952-4FCB-AC33-772FFEBDCEBE}"/>
+              </a:ext>
+            </a:extLst>
+          </p:cNvPr>
+          <p:cNvSpPr txBox="1"/>
+          <p:nvPr/>
+        </p:nvSpPr>
+        <p:spPr>
+          <a:xfrm>
+            <a:off x="9183757" y="765313"/>
+            <a:ext cx="2653747" cy="2308324"/>
+          </a:xfrm>
+          <a:prstGeom prst="rect">
+            <a:avLst/>
+          </a:prstGeom>
+          <a:noFill/>
+        </p:spPr>
+        <p:txBody>
+          <a:bodyPr wrap="square" rtlCol="0">
+            <a:spAutoFit/>
+          </a:bodyPr>
+          <a:lstStyle/>
+          <a:p>
+            <a:r>
+              <a:rPr lang="zh-CN" altLang="en-US" dirty="0"/>
+              <a:t>使用</a:t>
+            </a:r>
+            <a:r>
+              <a:rPr lang="en-US" altLang="zh-CN" dirty="0" err="1"/>
+              <a:t>java.security</a:t>
+            </a:r>
+            <a:r>
+              <a:rPr lang="zh-CN" altLang="en-US" dirty="0"/>
+              <a:t>库生成公钥和私钥后，将公钥返回给前端，私钥写入到服务器全局变量中</a:t>
+            </a:r>
+            <a:endParaRPr lang="en-US" altLang="zh-CN" dirty="0"/>
+          </a:p>
+          <a:p>
+            <a:endParaRPr lang="en-US" altLang="zh-CN" dirty="0"/>
+          </a:p>
+          <a:p>
+            <a:r>
+              <a:rPr lang="zh-CN" altLang="en-US" dirty="0"/>
+              <a:t>使用</a:t>
+            </a:r>
+            <a:r>
+              <a:rPr lang="en-US" altLang="zh-CN" dirty="0"/>
+              <a:t>java.util.Base64</a:t>
+            </a:r>
+            <a:r>
+              <a:rPr lang="zh-CN" altLang="en-US" dirty="0"/>
+              <a:t>，和</a:t>
+            </a:r>
+            <a:r>
+              <a:rPr lang="en-US" altLang="zh-CN" dirty="0" err="1"/>
+              <a:t>java.security</a:t>
+            </a:r>
+            <a:r>
+              <a:rPr lang="zh-CN" altLang="en-US" dirty="0"/>
+              <a:t>库函数进行解包</a:t>
+            </a:r>
+            <a:endParaRPr lang="en-US" altLang="zh-CN" dirty="0"/>
+          </a:p>
+        </p:txBody>
+      </p:sp>
     </p:spTree>
     <p:extLst>
       <p:ext uri="{BB962C8B-B14F-4D97-AF65-F5344CB8AC3E}">
